--- a/buttons.pptx
+++ b/buttons.pptx
@@ -6,6 +6,7 @@
   </p:sldMasterIdLst>
   <p:sldIdLst>
     <p:sldId id="256" r:id="rId2"/>
+    <p:sldId id="257" r:id="rId3"/>
   </p:sldIdLst>
   <p:sldSz cx="9144000" cy="6858000" type="screen4x3"/>
   <p:notesSz cx="6858000" cy="9144000"/>
@@ -3384,6 +3385,216 @@
     <p:extLst>
       <p:ext uri="{BB962C8B-B14F-4D97-AF65-F5344CB8AC3E}">
         <p14:creationId xmlns:p14="http://schemas.microsoft.com/office/powerpoint/2010/main" val="2018921237"/>
+      </p:ext>
+    </p:extLst>
+  </p:cSld>
+  <p:clrMapOvr>
+    <a:masterClrMapping/>
+  </p:clrMapOvr>
+</p:sld>
+</file>
+
+<file path=ppt/slides/slide2.xml><?xml version="1.0" encoding="utf-8"?>
+<p:sld xmlns:a="http://schemas.openxmlformats.org/drawingml/2006/main" xmlns:r="http://schemas.openxmlformats.org/officeDocument/2006/relationships" xmlns:p="http://schemas.openxmlformats.org/presentationml/2006/main">
+  <p:cSld>
+    <p:spTree>
+      <p:nvGrpSpPr>
+        <p:cNvPr id="1" name=""/>
+        <p:cNvGrpSpPr/>
+        <p:nvPr/>
+      </p:nvGrpSpPr>
+      <p:grpSpPr>
+        <a:xfrm>
+          <a:off x="0" y="0"/>
+          <a:ext cx="0" cy="0"/>
+          <a:chOff x="0" y="0"/>
+          <a:chExt cx="0" cy="0"/>
+        </a:xfrm>
+      </p:grpSpPr>
+      <p:sp>
+        <p:nvSpPr>
+          <p:cNvPr id="2" name="Title 1"/>
+          <p:cNvSpPr>
+            <a:spLocks noGrp="1"/>
+          </p:cNvSpPr>
+          <p:nvPr>
+            <p:ph type="ctrTitle"/>
+          </p:nvPr>
+        </p:nvSpPr>
+        <p:spPr/>
+        <p:txBody>
+          <a:bodyPr/>
+          <a:lstStyle/>
+          <a:p>
+            <a:endParaRPr lang="en-CA"/>
+          </a:p>
+        </p:txBody>
+      </p:sp>
+      <p:sp>
+        <p:nvSpPr>
+          <p:cNvPr id="3" name="Subtitle 2"/>
+          <p:cNvSpPr>
+            <a:spLocks noGrp="1"/>
+          </p:cNvSpPr>
+          <p:nvPr>
+            <p:ph type="subTitle" idx="1"/>
+          </p:nvPr>
+        </p:nvSpPr>
+        <p:spPr/>
+        <p:txBody>
+          <a:bodyPr/>
+          <a:lstStyle/>
+          <a:p>
+            <a:endParaRPr lang="en-CA" dirty="0"/>
+          </a:p>
+        </p:txBody>
+      </p:sp>
+      <p:sp>
+        <p:nvSpPr>
+          <p:cNvPr id="4" name="Rectangle 2"/>
+          <p:cNvSpPr>
+            <a:spLocks noChangeArrowheads="1"/>
+          </p:cNvSpPr>
+          <p:nvPr/>
+        </p:nvSpPr>
+        <p:spPr bwMode="auto">
+          <a:xfrm>
+            <a:off x="1076325" y="935038"/>
+            <a:ext cx="6350000" cy="2541587"/>
+          </a:xfrm>
+          <a:prstGeom prst="rect">
+            <a:avLst/>
+          </a:prstGeom>
+          <a:gradFill rotWithShape="1">
+            <a:gsLst>
+              <a:gs pos="0">
+                <a:srgbClr val="FFEEB9">
+                  <a:alpha val="39000"/>
+                </a:srgbClr>
+              </a:gs>
+              <a:gs pos="100000">
+                <a:srgbClr val="FFFFFF">
+                  <a:alpha val="67000"/>
+                </a:srgbClr>
+              </a:gs>
+            </a:gsLst>
+            <a:lin ang="5400000" scaled="1"/>
+          </a:gradFill>
+          <a:ln w="9525">
+            <a:solidFill>
+              <a:srgbClr val="FFFFFF"/>
+            </a:solidFill>
+            <a:miter lim="800000"/>
+            <a:headEnd/>
+            <a:tailEnd/>
+          </a:ln>
+        </p:spPr>
+        <p:txBody>
+          <a:bodyPr vert="horz" wrap="square" lIns="91440" tIns="45720" rIns="91440" bIns="45720" numCol="1" anchor="t" anchorCtr="0" compatLnSpc="1">
+            <a:prstTxWarp prst="textNoShape">
+              <a:avLst/>
+            </a:prstTxWarp>
+          </a:bodyPr>
+          <a:lstStyle/>
+          <a:p>
+            <a:pPr marL="0" marR="0" lvl="0" indent="0" algn="l" defTabSz="914400" rtl="0" eaLnBrk="1" fontAlgn="base" latinLnBrk="0" hangingPunct="1">
+              <a:lnSpc>
+                <a:spcPct val="100000"/>
+              </a:lnSpc>
+              <a:spcBef>
+                <a:spcPct val="0"/>
+              </a:spcBef>
+              <a:spcAft>
+                <a:spcPct val="0"/>
+              </a:spcAft>
+              <a:buClrTx/>
+              <a:buSzTx/>
+              <a:buFontTx/>
+              <a:buNone/>
+              <a:tabLst/>
+            </a:pPr>
+            <a:endParaRPr kumimoji="0" lang="en-US" altLang="en-US" sz="1800" b="0" i="0" u="none" strike="noStrike" cap="none" normalizeH="0" baseline="0" smtClean="0">
+              <a:ln>
+                <a:noFill/>
+              </a:ln>
+              <a:solidFill>
+                <a:schemeClr val="tx1"/>
+              </a:solidFill>
+              <a:effectLst/>
+              <a:latin typeface="Arial" pitchFamily="34" charset="0"/>
+              <a:cs typeface="Arial" pitchFamily="34" charset="0"/>
+            </a:endParaRPr>
+          </a:p>
+        </p:txBody>
+      </p:sp>
+      <p:sp>
+        <p:nvSpPr>
+          <p:cNvPr id="6" name="Right Arrow 5"/>
+          <p:cNvSpPr/>
+          <p:nvPr/>
+        </p:nvSpPr>
+        <p:spPr>
+          <a:xfrm>
+            <a:off x="5739916" y="2240824"/>
+            <a:ext cx="1080120" cy="864096"/>
+          </a:xfrm>
+          <a:prstGeom prst="rightArrow">
+            <a:avLst/>
+          </a:prstGeom>
+          <a:solidFill>
+            <a:schemeClr val="accent1">
+              <a:alpha val="44000"/>
+            </a:schemeClr>
+          </a:solidFill>
+          <a:ln w="9525">
+            <a:solidFill>
+              <a:srgbClr val="FFFFFF"/>
+            </a:solidFill>
+            <a:miter lim="800000"/>
+            <a:headEnd/>
+            <a:tailEnd/>
+          </a:ln>
+        </p:spPr>
+        <p:txBody>
+          <a:bodyPr vert="horz" wrap="square" lIns="91440" tIns="45720" rIns="91440" bIns="45720" numCol="1" anchor="t" anchorCtr="0" compatLnSpc="1">
+            <a:prstTxWarp prst="textNoShape">
+              <a:avLst/>
+            </a:prstTxWarp>
+          </a:bodyPr>
+          <a:lstStyle/>
+          <a:p>
+            <a:pPr fontAlgn="base">
+              <a:spcBef>
+                <a:spcPct val="0"/>
+              </a:spcBef>
+              <a:spcAft>
+                <a:spcPct val="0"/>
+              </a:spcAft>
+            </a:pPr>
+            <a:r>
+              <a:rPr lang="en-CA" sz="1600" dirty="0" smtClean="0">
+                <a:solidFill>
+                  <a:srgbClr val="FF0000"/>
+                </a:solidFill>
+                <a:latin typeface="Arial" pitchFamily="34" charset="0"/>
+                <a:cs typeface="Arial" pitchFamily="34" charset="0"/>
+              </a:rPr>
+              <a:t>NEXT</a:t>
+            </a:r>
+            <a:endParaRPr lang="en-CA" sz="1600" dirty="0">
+              <a:solidFill>
+                <a:srgbClr val="FF0000"/>
+              </a:solidFill>
+              <a:latin typeface="Arial" pitchFamily="34" charset="0"/>
+              <a:cs typeface="Arial" pitchFamily="34" charset="0"/>
+            </a:endParaRPr>
+          </a:p>
+        </p:txBody>
+      </p:sp>
+    </p:spTree>
+    <p:extLst>
+      <p:ext uri="{BB962C8B-B14F-4D97-AF65-F5344CB8AC3E}">
+        <p14:creationId xmlns:p14="http://schemas.microsoft.com/office/powerpoint/2010/main" val="3362205368"/>
       </p:ext>
     </p:extLst>
   </p:cSld>
